--- a/dsm2/presentations/b1_channel.pptx
+++ b/dsm2/presentations/b1_channel.pptx
@@ -4804,30 +4804,34 @@
           <a:lstStyle/>
           <a:p>
             <a:r>
-              <a:rPr lang="en-US" smtClean="0"/>
+              <a:rPr lang="en-US" dirty="0" smtClean="0"/>
               <a:t>DSM2 Training</a:t>
             </a:r>
           </a:p>
           <a:p>
             <a:r>
               <a:rPr lang="en-US" smtClean="0"/>
-              <a:t>September 15-17, 2009</a:t>
-            </a:r>
-          </a:p>
-          <a:p>
-            <a:endParaRPr lang="en-US" smtClean="0"/>
+              <a:t>Fall, </a:t>
+            </a:r>
+            <a:r>
+              <a:rPr lang="en-US" dirty="0" smtClean="0"/>
+              <a:t>2009</a:t>
+            </a:r>
+          </a:p>
+          <a:p>
+            <a:endParaRPr lang="en-US" dirty="0" smtClean="0"/>
           </a:p>
           <a:p>
             <a:pPr algn="l"/>
             <a:r>
-              <a:rPr lang="en-US" smtClean="0">
+              <a:rPr lang="en-US" dirty="0" smtClean="0">
                 <a:solidFill>
                   <a:srgbClr val="6666FF"/>
                 </a:solidFill>
               </a:rPr>
               <a:t>	Eli Ateljevich, PhD</a:t>
             </a:r>
-            <a:endParaRPr lang="en-US" sz="2400" smtClean="0">
+            <a:endParaRPr lang="en-US" sz="2400" dirty="0" smtClean="0">
               <a:solidFill>
                 <a:srgbClr val="6666FF"/>
               </a:solidFill>
@@ -4836,7 +4840,7 @@
           <a:p>
             <a:pPr algn="l"/>
             <a:r>
-              <a:rPr lang="en-US" sz="2400" smtClean="0">
+              <a:rPr lang="en-US" sz="2400" dirty="0" smtClean="0">
                 <a:solidFill>
                   <a:srgbClr val="6666FF"/>
                 </a:solidFill>
@@ -4847,7 +4851,7 @@
           <a:p>
             <a:pPr algn="l"/>
             <a:r>
-              <a:rPr lang="en-US" sz="2400" smtClean="0">
+              <a:rPr lang="en-US" sz="2400" dirty="0" smtClean="0">
                 <a:solidFill>
                   <a:srgbClr val="6666FF"/>
                 </a:solidFill>
@@ -4857,7 +4861,7 @@
           </a:p>
           <a:p>
             <a:pPr algn="l"/>
-            <a:endParaRPr lang="en-US" sz="2400" smtClean="0">
+            <a:endParaRPr lang="en-US" sz="2400" dirty="0" smtClean="0">
               <a:solidFill>
                 <a:srgbClr val="6666FF"/>
               </a:solidFill>
@@ -4865,7 +4869,7 @@
           </a:p>
           <a:p>
             <a:pPr algn="l"/>
-            <a:endParaRPr lang="en-US" sz="2400" smtClean="0">
+            <a:endParaRPr lang="en-US" sz="2400" dirty="0" smtClean="0">
               <a:solidFill>
                 <a:srgbClr val="6666FF"/>
               </a:solidFill>
@@ -4882,7 +4886,7 @@
           <p:nvPr/>
         </p:nvPicPr>
         <p:blipFill>
-          <a:blip r:embed="rId3"/>
+          <a:blip r:embed="rId3" cstate="print"/>
           <a:srcRect/>
           <a:stretch>
             <a:fillRect/>
@@ -6023,7 +6027,7 @@
           <p:nvPr/>
         </p:nvPicPr>
         <p:blipFill>
-          <a:blip r:embed="rId4"/>
+          <a:blip r:embed="rId4" cstate="print"/>
           <a:srcRect/>
           <a:stretch>
             <a:fillRect/>
@@ -6081,14 +6085,6 @@
               </a:rPr>
               <a:t>Annual Reports to SWRCB</a:t>
             </a:r>
-            <a:endParaRPr lang="en-US" sz="4000" kern="0" dirty="0">
-              <a:solidFill>
-                <a:srgbClr val="0099FF"/>
-              </a:solidFill>
-              <a:latin typeface="+mj-lt"/>
-              <a:ea typeface="+mj-ea"/>
-              <a:cs typeface="+mj-cs"/>
-            </a:endParaRPr>
           </a:p>
         </p:txBody>
       </p:sp>
@@ -6352,7 +6348,7 @@
           <p:nvPr/>
         </p:nvPicPr>
         <p:blipFill>
-          <a:blip r:embed="rId3"/>
+          <a:blip r:embed="rId3" cstate="print"/>
           <a:srcRect/>
           <a:stretch>
             <a:fillRect/>
@@ -6384,7 +6380,7 @@
           <p:nvPr/>
         </p:nvPicPr>
         <p:blipFill>
-          <a:blip r:embed="rId4"/>
+          <a:blip r:embed="rId4" cstate="print"/>
           <a:srcRect/>
           <a:stretch>
             <a:fillRect/>
@@ -6815,7 +6811,7 @@
           <p:nvPr/>
         </p:nvPicPr>
         <p:blipFill>
-          <a:blip r:embed="rId3"/>
+          <a:blip r:embed="rId3" cstate="print"/>
           <a:srcRect/>
           <a:stretch>
             <a:fillRect/>
@@ -6984,7 +6980,7 @@
           <p:nvPr/>
         </p:nvPicPr>
         <p:blipFill>
-          <a:blip r:embed="rId3"/>
+          <a:blip r:embed="rId3" cstate="print"/>
           <a:srcRect/>
           <a:stretch>
             <a:fillRect/>
@@ -7128,7 +7124,7 @@
           <p:nvPr/>
         </p:nvPicPr>
         <p:blipFill>
-          <a:blip r:embed="rId3"/>
+          <a:blip r:embed="rId3" cstate="print"/>
           <a:srcRect/>
           <a:stretch>
             <a:fillRect/>
@@ -7197,7 +7193,7 @@
           <p:nvPr/>
         </p:nvPicPr>
         <p:blipFill>
-          <a:blip r:embed="rId4"/>
+          <a:blip r:embed="rId4" cstate="print"/>
           <a:srcRect/>
           <a:stretch>
             <a:fillRect/>
@@ -7377,7 +7373,7 @@
             <p:nvPr/>
           </p:nvPicPr>
           <p:blipFill>
-            <a:blip r:embed="rId3"/>
+            <a:blip r:embed="rId3" cstate="print"/>
             <a:srcRect/>
             <a:stretch>
               <a:fillRect/>
@@ -8249,7 +8245,7 @@
           <p:nvPr/>
         </p:nvPicPr>
         <p:blipFill>
-          <a:blip r:embed="rId3"/>
+          <a:blip r:embed="rId3" cstate="print"/>
           <a:srcRect/>
           <a:stretch>
             <a:fillRect/>
@@ -8911,7 +8907,7 @@
           <p:nvPr/>
         </p:nvPicPr>
         <p:blipFill>
-          <a:blip r:embed="rId3"/>
+          <a:blip r:embed="rId3" cstate="print"/>
           <a:srcRect l="33527" t="24838" r="5588" b="6210"/>
           <a:stretch>
             <a:fillRect/>
@@ -8943,7 +8939,7 @@
           <p:nvPr/>
         </p:nvPicPr>
         <p:blipFill>
-          <a:blip r:embed="rId4"/>
+          <a:blip r:embed="rId4" cstate="print"/>
           <a:srcRect l="33527" t="24838" r="16763" b="18629"/>
           <a:stretch>
             <a:fillRect/>
@@ -9061,7 +9057,7 @@
           <p:nvPr/>
         </p:nvPicPr>
         <p:blipFill>
-          <a:blip r:embed="rId3"/>
+          <a:blip r:embed="rId3" cstate="print"/>
           <a:srcRect l="-421" t="-1018" r="-3188" b="-1178"/>
           <a:stretch>
             <a:fillRect/>
@@ -9414,7 +9410,7 @@
           <p:nvPr/>
         </p:nvPicPr>
         <p:blipFill>
-          <a:blip r:embed="rId3"/>
+          <a:blip r:embed="rId3" cstate="print"/>
           <a:srcRect/>
           <a:stretch>
             <a:fillRect/>

--- a/dsm2/presentations/b1_channel.pptx
+++ b/dsm2/presentations/b1_channel.pptx
@@ -9116,7 +9116,7 @@
           <a:lstStyle/>
           <a:p>
             <a:r>
-              <a:rPr lang="en-US" sz="1800">
+              <a:rPr lang="en-US" sz="1800" dirty="0">
                 <a:latin typeface="Courier New" pitchFamily="49" charset="0"/>
                 <a:ea typeface="Times New Roman" pitchFamily="18" charset="0"/>
                 <a:cs typeface="Courier New" pitchFamily="49" charset="0"/>
@@ -9127,7 +9127,7 @@
           <a:p>
             <a:pPr eaLnBrk="0" hangingPunct="0"/>
             <a:r>
-              <a:rPr lang="en-US" sz="1800">
+              <a:rPr lang="en-US" sz="1800" dirty="0">
                 <a:latin typeface="Courier New" pitchFamily="49" charset="0"/>
                 <a:ea typeface="Times New Roman" pitchFamily="18" charset="0"/>
                 <a:cs typeface="Courier New" pitchFamily="49" charset="0"/>
@@ -9138,7 +9138,7 @@
           <a:p>
             <a:pPr eaLnBrk="0" hangingPunct="0"/>
             <a:r>
-              <a:rPr lang="en-US" sz="1800">
+              <a:rPr lang="en-US" sz="1800" dirty="0">
                 <a:latin typeface="Courier New" pitchFamily="49" charset="0"/>
                 <a:ea typeface="Times New Roman" pitchFamily="18" charset="0"/>
                 <a:cs typeface="Courier New" pitchFamily="49" charset="0"/>
@@ -9149,7 +9149,7 @@
           <a:p>
             <a:pPr eaLnBrk="0" hangingPunct="0"/>
             <a:r>
-              <a:rPr lang="en-US" sz="1800">
+              <a:rPr lang="en-US" sz="1800" dirty="0">
                 <a:latin typeface="Courier New" pitchFamily="49" charset="0"/>
                 <a:ea typeface="Times New Roman" pitchFamily="18" charset="0"/>
                 <a:cs typeface="Courier New" pitchFamily="49" charset="0"/>
@@ -9160,47 +9160,86 @@
           <a:p>
             <a:pPr eaLnBrk="0" hangingPunct="0"/>
             <a:r>
-              <a:rPr lang="en-US" sz="1800">
+              <a:rPr lang="en-US" sz="1800" dirty="0">
                 <a:latin typeface="Courier New" pitchFamily="49" charset="0"/>
                 <a:ea typeface="Times New Roman" pitchFamily="18" charset="0"/>
                 <a:cs typeface="Courier New" pitchFamily="49" charset="0"/>
               </a:rPr>
-              <a:t>123       0.5    -4.0  736.0  120.0     111.0</a:t>
-            </a:r>
-          </a:p>
-          <a:p>
-            <a:pPr eaLnBrk="0" hangingPunct="0"/>
-            <a:r>
-              <a:rPr lang="en-US" sz="1800">
+              <a:t>123       0.5    -4.0  736.0  120.0     </a:t>
+            </a:r>
+            <a:r>
+              <a:rPr lang="en-US" sz="1800" dirty="0" smtClean="0">
                 <a:latin typeface="Courier New" pitchFamily="49" charset="0"/>
                 <a:ea typeface="Times New Roman" pitchFamily="18" charset="0"/>
                 <a:cs typeface="Courier New" pitchFamily="49" charset="0"/>
               </a:rPr>
-              <a:t>123       0.5     9.5 2410.0  160.0     142.3</a:t>
-            </a:r>
+              <a:t>141.0</a:t>
+            </a:r>
+            <a:endParaRPr lang="en-US" sz="1800" dirty="0">
+              <a:latin typeface="Courier New" pitchFamily="49" charset="0"/>
+              <a:ea typeface="Times New Roman" pitchFamily="18" charset="0"/>
+              <a:cs typeface="Courier New" pitchFamily="49" charset="0"/>
+            </a:endParaRPr>
           </a:p>
           <a:p>
             <a:pPr eaLnBrk="0" hangingPunct="0"/>
             <a:r>
-              <a:rPr lang="en-US" sz="1800">
+              <a:rPr lang="en-US" sz="1800" dirty="0">
                 <a:latin typeface="Courier New" pitchFamily="49" charset="0"/>
                 <a:ea typeface="Times New Roman" pitchFamily="18" charset="0"/>
                 <a:cs typeface="Courier New" pitchFamily="49" charset="0"/>
               </a:rPr>
-              <a:t>123       0.5    12.0 3028.5  162.0     148.0</a:t>
-            </a:r>
+              <a:t>123       0.5     9.5 2410.0  160.0     </a:t>
+            </a:r>
+            <a:r>
+              <a:rPr lang="en-US" sz="1800" dirty="0" smtClean="0">
+                <a:latin typeface="Courier New" pitchFamily="49" charset="0"/>
+                <a:ea typeface="Times New Roman" pitchFamily="18" charset="0"/>
+                <a:cs typeface="Courier New" pitchFamily="49" charset="0"/>
+              </a:rPr>
+              <a:t>182.3</a:t>
+            </a:r>
+            <a:endParaRPr lang="en-US" sz="1800" dirty="0">
+              <a:latin typeface="Courier New" pitchFamily="49" charset="0"/>
+              <a:ea typeface="Times New Roman" pitchFamily="18" charset="0"/>
+              <a:cs typeface="Courier New" pitchFamily="49" charset="0"/>
+            </a:endParaRPr>
           </a:p>
           <a:p>
             <a:pPr eaLnBrk="0" hangingPunct="0"/>
             <a:r>
-              <a:rPr lang="en-US" sz="1800">
+              <a:rPr lang="en-US" sz="1800" dirty="0">
+                <a:latin typeface="Courier New" pitchFamily="49" charset="0"/>
+                <a:ea typeface="Times New Roman" pitchFamily="18" charset="0"/>
+                <a:cs typeface="Courier New" pitchFamily="49" charset="0"/>
+              </a:rPr>
+              <a:t>123       0.5    12.0 3028.5  162.0     </a:t>
+            </a:r>
+            <a:r>
+              <a:rPr lang="en-US" sz="1800" dirty="0" smtClean="0">
+                <a:latin typeface="Courier New" pitchFamily="49" charset="0"/>
+                <a:ea typeface="Times New Roman" pitchFamily="18" charset="0"/>
+                <a:cs typeface="Courier New" pitchFamily="49" charset="0"/>
+              </a:rPr>
+              <a:t>198.0</a:t>
+            </a:r>
+            <a:endParaRPr lang="en-US" sz="1800" dirty="0">
+              <a:latin typeface="Courier New" pitchFamily="49" charset="0"/>
+              <a:ea typeface="Times New Roman" pitchFamily="18" charset="0"/>
+              <a:cs typeface="Courier New" pitchFamily="49" charset="0"/>
+            </a:endParaRPr>
+          </a:p>
+          <a:p>
+            <a:pPr eaLnBrk="0" hangingPunct="0"/>
+            <a:r>
+              <a:rPr lang="en-US" sz="1800" dirty="0">
                 <a:latin typeface="Courier New" pitchFamily="49" charset="0"/>
                 <a:ea typeface="Times New Roman" pitchFamily="18" charset="0"/>
                 <a:cs typeface="Courier New" pitchFamily="49" charset="0"/>
               </a:rPr>
               <a:t>END</a:t>
             </a:r>
-            <a:endParaRPr lang="en-US" sz="1800">
+            <a:endParaRPr lang="en-US" sz="1800" dirty="0">
               <a:ea typeface="Times New Roman" pitchFamily="18" charset="0"/>
               <a:cs typeface="Courier New" pitchFamily="49" charset="0"/>
             </a:endParaRPr>

--- a/dsm2/presentations/b1_channel.pptx
+++ b/dsm2/presentations/b1_channel.pptx
@@ -4954,7 +4954,7 @@
         </p:nvSpPr>
         <p:spPr>
           <a:xfrm>
-            <a:off x="207963" y="228600"/>
+            <a:off x="312738" y="819150"/>
             <a:ext cx="8624887" cy="838200"/>
           </a:xfrm>
         </p:spPr>
@@ -5009,7 +5009,7 @@
       </p:sp>
       <p:pic>
         <p:nvPicPr>
-          <p:cNvPr id="1196038" name="Picture 6" descr="Cross sections channel segment large DeltaX 2"/>
+          <p:cNvPr id="1196039" name="Picture 7" descr="Cross sections channel segment large DeltaX"/>
           <p:cNvPicPr>
             <a:picLocks noChangeArrowheads="1"/>
           </p:cNvPicPr>
@@ -5025,44 +5025,6 @@
               </a:schemeClr>
             </a:duotone>
           </a:blip>
-          <a:srcRect l="9214" r="-2304"/>
-          <a:stretch>
-            <a:fillRect/>
-          </a:stretch>
-        </p:blipFill>
-        <p:spPr bwMode="auto">
-          <a:xfrm>
-            <a:off x="844720" y="4056495"/>
-            <a:ext cx="7390480" cy="2376488"/>
-          </a:xfrm>
-          <a:prstGeom prst="rect">
-            <a:avLst/>
-          </a:prstGeom>
-          <a:solidFill>
-            <a:schemeClr val="tx1">
-              <a:lumMod val="95000"/>
-            </a:schemeClr>
-          </a:solidFill>
-        </p:spPr>
-      </p:pic>
-      <p:pic>
-        <p:nvPicPr>
-          <p:cNvPr id="1196039" name="Picture 7" descr="Cross sections channel segment large DeltaX"/>
-          <p:cNvPicPr>
-            <a:picLocks noChangeArrowheads="1"/>
-          </p:cNvPicPr>
-          <p:nvPr/>
-        </p:nvPicPr>
-        <p:blipFill>
-          <a:blip r:embed="rId4" cstate="print">
-            <a:duotone>
-              <a:prstClr val="black"/>
-              <a:schemeClr val="accent4">
-                <a:tint val="45000"/>
-                <a:satMod val="400000"/>
-              </a:schemeClr>
-            </a:duotone>
-          </a:blip>
           <a:srcRect l="9207" r="-2302"/>
           <a:stretch>
             <a:fillRect/>
@@ -5070,7 +5032,7 @@
         </p:blipFill>
         <p:spPr bwMode="auto">
           <a:xfrm>
-            <a:off x="844739" y="1541895"/>
+            <a:off x="949514" y="2132445"/>
             <a:ext cx="7396819" cy="2505075"/>
           </a:xfrm>
           <a:prstGeom prst="rect">
